--- a/files/rms.pptx
+++ b/files/rms.pptx
@@ -12,11 +12,7 @@
     <p:sldId id="260" r:id="rId6"/>
     <p:sldId id="261" r:id="rId7"/>
     <p:sldId id="262" r:id="rId8"/>
-    <p:sldId id="263" r:id="rId9"/>
-    <p:sldId id="264" r:id="rId10"/>
-    <p:sldId id="265" r:id="rId11"/>
-    <p:sldId id="266" r:id="rId12"/>
-    <p:sldId id="267" r:id="rId13"/>
+    <p:sldId id="267" r:id="rId9"/>
   </p:sldIdLst>
   <p:sldSz cx="12192000" cy="6858000"/>
   <p:notesSz cx="6858000" cy="9144000"/>
@@ -117,7 +113,7 @@
   </p:defaultTextStyle>
   <p:extLst>
     <p:ext uri="{EFAFB233-063F-42B5-8137-9DF3F51BA10A}">
-      <p15:sldGuideLst xmlns:p15="http://schemas.microsoft.com/office/powerpoint/2012/main"/>
+      <p15:sldGuideLst xmlns:p15="http://schemas.microsoft.com/office/powerpoint/2012/main" xmlns=""/>
     </p:ext>
   </p:extLst>
 </p:presentation>
@@ -847,7 +843,8 @@
           <a:p>
             <a:fld id="{85A8DF9E-E639-4E2D-8D55-A0D56A811676}" type="datetimeFigureOut">
               <a:rPr lang="id-ID" smtClean="0"/>
-              <a:t>02/10/2017</a:t>
+              <a:pPr/>
+              <a:t>04/10/2017</a:t>
             </a:fld>
             <a:endParaRPr lang="id-ID"/>
           </a:p>
@@ -889,6 +886,7 @@
           <a:p>
             <a:fld id="{A77058F0-9592-4691-9580-71CCF28C1161}" type="slidenum">
               <a:rPr lang="id-ID" smtClean="0"/>
+              <a:pPr/>
               <a:t>‹#›</a:t>
             </a:fld>
             <a:endParaRPr lang="id-ID"/>
@@ -898,7 +896,7 @@
     </p:spTree>
     <p:extLst>
       <p:ext uri="{BB962C8B-B14F-4D97-AF65-F5344CB8AC3E}">
-        <p14:creationId xmlns:p14="http://schemas.microsoft.com/office/powerpoint/2010/main" val="1153160775"/>
+        <p14:creationId xmlns:p14="http://schemas.microsoft.com/office/powerpoint/2010/main" xmlns="" val="1153160775"/>
       </p:ext>
     </p:extLst>
   </p:cSld>
@@ -1098,7 +1096,8 @@
           <a:p>
             <a:fld id="{85A8DF9E-E639-4E2D-8D55-A0D56A811676}" type="datetimeFigureOut">
               <a:rPr lang="id-ID" smtClean="0"/>
-              <a:t>02/10/2017</a:t>
+              <a:pPr/>
+              <a:t>04/10/2017</a:t>
             </a:fld>
             <a:endParaRPr lang="id-ID"/>
           </a:p>
@@ -1140,6 +1139,7 @@
           <a:p>
             <a:fld id="{A77058F0-9592-4691-9580-71CCF28C1161}" type="slidenum">
               <a:rPr lang="id-ID" smtClean="0"/>
+              <a:pPr/>
               <a:t>‹#›</a:t>
             </a:fld>
             <a:endParaRPr lang="id-ID"/>
@@ -1149,7 +1149,7 @@
     </p:spTree>
     <p:extLst>
       <p:ext uri="{BB962C8B-B14F-4D97-AF65-F5344CB8AC3E}">
-        <p14:creationId xmlns:p14="http://schemas.microsoft.com/office/powerpoint/2010/main" val="752197518"/>
+        <p14:creationId xmlns:p14="http://schemas.microsoft.com/office/powerpoint/2010/main" xmlns="" val="752197518"/>
       </p:ext>
     </p:extLst>
   </p:cSld>
@@ -1412,7 +1412,8 @@
           <a:p>
             <a:fld id="{85A8DF9E-E639-4E2D-8D55-A0D56A811676}" type="datetimeFigureOut">
               <a:rPr lang="id-ID" smtClean="0"/>
-              <a:t>02/10/2017</a:t>
+              <a:pPr/>
+              <a:t>04/10/2017</a:t>
             </a:fld>
             <a:endParaRPr lang="id-ID"/>
           </a:p>
@@ -1454,6 +1455,7 @@
           <a:p>
             <a:fld id="{A77058F0-9592-4691-9580-71CCF28C1161}" type="slidenum">
               <a:rPr lang="id-ID" smtClean="0"/>
+              <a:pPr/>
               <a:t>‹#›</a:t>
             </a:fld>
             <a:endParaRPr lang="id-ID"/>
@@ -1539,7 +1541,7 @@
     </p:spTree>
     <p:extLst>
       <p:ext uri="{BB962C8B-B14F-4D97-AF65-F5344CB8AC3E}">
-        <p14:creationId xmlns:p14="http://schemas.microsoft.com/office/powerpoint/2010/main" val="1917551708"/>
+        <p14:creationId xmlns:p14="http://schemas.microsoft.com/office/powerpoint/2010/main" xmlns="" val="1917551708"/>
       </p:ext>
     </p:extLst>
   </p:cSld>
@@ -1739,7 +1741,8 @@
           <a:p>
             <a:fld id="{85A8DF9E-E639-4E2D-8D55-A0D56A811676}" type="datetimeFigureOut">
               <a:rPr lang="id-ID" smtClean="0"/>
-              <a:t>02/10/2017</a:t>
+              <a:pPr/>
+              <a:t>04/10/2017</a:t>
             </a:fld>
             <a:endParaRPr lang="id-ID"/>
           </a:p>
@@ -1781,6 +1784,7 @@
           <a:p>
             <a:fld id="{A77058F0-9592-4691-9580-71CCF28C1161}" type="slidenum">
               <a:rPr lang="id-ID" smtClean="0"/>
+              <a:pPr/>
               <a:t>‹#›</a:t>
             </a:fld>
             <a:endParaRPr lang="id-ID"/>
@@ -1790,7 +1794,7 @@
     </p:spTree>
     <p:extLst>
       <p:ext uri="{BB962C8B-B14F-4D97-AF65-F5344CB8AC3E}">
-        <p14:creationId xmlns:p14="http://schemas.microsoft.com/office/powerpoint/2010/main" val="1642925934"/>
+        <p14:creationId xmlns:p14="http://schemas.microsoft.com/office/powerpoint/2010/main" xmlns="" val="1642925934"/>
       </p:ext>
     </p:extLst>
   </p:cSld>
@@ -2053,7 +2057,8 @@
           <a:p>
             <a:fld id="{85A8DF9E-E639-4E2D-8D55-A0D56A811676}" type="datetimeFigureOut">
               <a:rPr lang="id-ID" smtClean="0"/>
-              <a:t>02/10/2017</a:t>
+              <a:pPr/>
+              <a:t>04/10/2017</a:t>
             </a:fld>
             <a:endParaRPr lang="id-ID"/>
           </a:p>
@@ -2095,6 +2100,7 @@
           <a:p>
             <a:fld id="{A77058F0-9592-4691-9580-71CCF28C1161}" type="slidenum">
               <a:rPr lang="id-ID" smtClean="0"/>
+              <a:pPr/>
               <a:t>‹#›</a:t>
             </a:fld>
             <a:endParaRPr lang="id-ID"/>
@@ -2180,7 +2186,7 @@
     </p:spTree>
     <p:extLst>
       <p:ext uri="{BB962C8B-B14F-4D97-AF65-F5344CB8AC3E}">
-        <p14:creationId xmlns:p14="http://schemas.microsoft.com/office/powerpoint/2010/main" val="670005317"/>
+        <p14:creationId xmlns:p14="http://schemas.microsoft.com/office/powerpoint/2010/main" xmlns="" val="670005317"/>
       </p:ext>
     </p:extLst>
   </p:cSld>
@@ -2440,7 +2446,8 @@
           <a:p>
             <a:fld id="{85A8DF9E-E639-4E2D-8D55-A0D56A811676}" type="datetimeFigureOut">
               <a:rPr lang="id-ID" smtClean="0"/>
-              <a:t>02/10/2017</a:t>
+              <a:pPr/>
+              <a:t>04/10/2017</a:t>
             </a:fld>
             <a:endParaRPr lang="id-ID"/>
           </a:p>
@@ -2482,6 +2489,7 @@
           <a:p>
             <a:fld id="{A77058F0-9592-4691-9580-71CCF28C1161}" type="slidenum">
               <a:rPr lang="id-ID" smtClean="0"/>
+              <a:pPr/>
               <a:t>‹#›</a:t>
             </a:fld>
             <a:endParaRPr lang="id-ID"/>
@@ -2491,7 +2499,7 @@
     </p:spTree>
     <p:extLst>
       <p:ext uri="{BB962C8B-B14F-4D97-AF65-F5344CB8AC3E}">
-        <p14:creationId xmlns:p14="http://schemas.microsoft.com/office/powerpoint/2010/main" val="2267947073"/>
+        <p14:creationId xmlns:p14="http://schemas.microsoft.com/office/powerpoint/2010/main" xmlns="" val="2267947073"/>
       </p:ext>
     </p:extLst>
   </p:cSld>
@@ -2610,7 +2618,8 @@
           <a:p>
             <a:fld id="{85A8DF9E-E639-4E2D-8D55-A0D56A811676}" type="datetimeFigureOut">
               <a:rPr lang="id-ID" smtClean="0"/>
-              <a:t>02/10/2017</a:t>
+              <a:pPr/>
+              <a:t>04/10/2017</a:t>
             </a:fld>
             <a:endParaRPr lang="id-ID"/>
           </a:p>
@@ -2652,6 +2661,7 @@
           <a:p>
             <a:fld id="{A77058F0-9592-4691-9580-71CCF28C1161}" type="slidenum">
               <a:rPr lang="id-ID" smtClean="0"/>
+              <a:pPr/>
               <a:t>‹#›</a:t>
             </a:fld>
             <a:endParaRPr lang="id-ID"/>
@@ -2661,7 +2671,7 @@
     </p:spTree>
     <p:extLst>
       <p:ext uri="{BB962C8B-B14F-4D97-AF65-F5344CB8AC3E}">
-        <p14:creationId xmlns:p14="http://schemas.microsoft.com/office/powerpoint/2010/main" val="99274699"/>
+        <p14:creationId xmlns:p14="http://schemas.microsoft.com/office/powerpoint/2010/main" xmlns="" val="99274699"/>
       </p:ext>
     </p:extLst>
   </p:cSld>
@@ -2790,7 +2800,8 @@
           <a:p>
             <a:fld id="{85A8DF9E-E639-4E2D-8D55-A0D56A811676}" type="datetimeFigureOut">
               <a:rPr lang="id-ID" smtClean="0"/>
-              <a:t>02/10/2017</a:t>
+              <a:pPr/>
+              <a:t>04/10/2017</a:t>
             </a:fld>
             <a:endParaRPr lang="id-ID"/>
           </a:p>
@@ -2832,6 +2843,7 @@
           <a:p>
             <a:fld id="{A77058F0-9592-4691-9580-71CCF28C1161}" type="slidenum">
               <a:rPr lang="id-ID" smtClean="0"/>
+              <a:pPr/>
               <a:t>‹#›</a:t>
             </a:fld>
             <a:endParaRPr lang="id-ID"/>
@@ -2841,7 +2853,7 @@
     </p:spTree>
     <p:extLst>
       <p:ext uri="{BB962C8B-B14F-4D97-AF65-F5344CB8AC3E}">
-        <p14:creationId xmlns:p14="http://schemas.microsoft.com/office/powerpoint/2010/main" val="3979601421"/>
+        <p14:creationId xmlns:p14="http://schemas.microsoft.com/office/powerpoint/2010/main" xmlns="" val="3979601421"/>
       </p:ext>
     </p:extLst>
   </p:cSld>
@@ -2966,7 +2978,8 @@
           <a:p>
             <a:fld id="{85A8DF9E-E639-4E2D-8D55-A0D56A811676}" type="datetimeFigureOut">
               <a:rPr lang="id-ID" smtClean="0"/>
-              <a:t>02/10/2017</a:t>
+              <a:pPr/>
+              <a:t>04/10/2017</a:t>
             </a:fld>
             <a:endParaRPr lang="id-ID"/>
           </a:p>
@@ -3008,6 +3021,7 @@
           <a:p>
             <a:fld id="{A77058F0-9592-4691-9580-71CCF28C1161}" type="slidenum">
               <a:rPr lang="id-ID" smtClean="0"/>
+              <a:pPr/>
               <a:t>‹#›</a:t>
             </a:fld>
             <a:endParaRPr lang="id-ID"/>
@@ -3017,7 +3031,7 @@
     </p:spTree>
     <p:extLst>
       <p:ext uri="{BB962C8B-B14F-4D97-AF65-F5344CB8AC3E}">
-        <p14:creationId xmlns:p14="http://schemas.microsoft.com/office/powerpoint/2010/main" val="1729774766"/>
+        <p14:creationId xmlns:p14="http://schemas.microsoft.com/office/powerpoint/2010/main" xmlns="" val="1729774766"/>
       </p:ext>
     </p:extLst>
   </p:cSld>
@@ -3213,7 +3227,8 @@
           <a:p>
             <a:fld id="{85A8DF9E-E639-4E2D-8D55-A0D56A811676}" type="datetimeFigureOut">
               <a:rPr lang="id-ID" smtClean="0"/>
-              <a:t>02/10/2017</a:t>
+              <a:pPr/>
+              <a:t>04/10/2017</a:t>
             </a:fld>
             <a:endParaRPr lang="id-ID"/>
           </a:p>
@@ -3255,6 +3270,7 @@
           <a:p>
             <a:fld id="{A77058F0-9592-4691-9580-71CCF28C1161}" type="slidenum">
               <a:rPr lang="id-ID" smtClean="0"/>
+              <a:pPr/>
               <a:t>‹#›</a:t>
             </a:fld>
             <a:endParaRPr lang="id-ID"/>
@@ -3264,7 +3280,7 @@
     </p:spTree>
     <p:extLst>
       <p:ext uri="{BB962C8B-B14F-4D97-AF65-F5344CB8AC3E}">
-        <p14:creationId xmlns:p14="http://schemas.microsoft.com/office/powerpoint/2010/main" val="2190246658"/>
+        <p14:creationId xmlns:p14="http://schemas.microsoft.com/office/powerpoint/2010/main" xmlns="" val="2190246658"/>
       </p:ext>
     </p:extLst>
   </p:cSld>
@@ -3445,7 +3461,8 @@
           <a:p>
             <a:fld id="{85A8DF9E-E639-4E2D-8D55-A0D56A811676}" type="datetimeFigureOut">
               <a:rPr lang="id-ID" smtClean="0"/>
-              <a:t>02/10/2017</a:t>
+              <a:pPr/>
+              <a:t>04/10/2017</a:t>
             </a:fld>
             <a:endParaRPr lang="id-ID"/>
           </a:p>
@@ -3487,6 +3504,7 @@
           <a:p>
             <a:fld id="{A77058F0-9592-4691-9580-71CCF28C1161}" type="slidenum">
               <a:rPr lang="id-ID" smtClean="0"/>
+              <a:pPr/>
               <a:t>‹#›</a:t>
             </a:fld>
             <a:endParaRPr lang="id-ID"/>
@@ -3496,7 +3514,7 @@
     </p:spTree>
     <p:extLst>
       <p:ext uri="{BB962C8B-B14F-4D97-AF65-F5344CB8AC3E}">
-        <p14:creationId xmlns:p14="http://schemas.microsoft.com/office/powerpoint/2010/main" val="4284014686"/>
+        <p14:creationId xmlns:p14="http://schemas.microsoft.com/office/powerpoint/2010/main" xmlns="" val="4284014686"/>
       </p:ext>
     </p:extLst>
   </p:cSld>
@@ -3819,7 +3837,8 @@
           <a:p>
             <a:fld id="{85A8DF9E-E639-4E2D-8D55-A0D56A811676}" type="datetimeFigureOut">
               <a:rPr lang="id-ID" smtClean="0"/>
-              <a:t>02/10/2017</a:t>
+              <a:pPr/>
+              <a:t>04/10/2017</a:t>
             </a:fld>
             <a:endParaRPr lang="id-ID"/>
           </a:p>
@@ -3861,6 +3880,7 @@
           <a:p>
             <a:fld id="{A77058F0-9592-4691-9580-71CCF28C1161}" type="slidenum">
               <a:rPr lang="id-ID" smtClean="0"/>
+              <a:pPr/>
               <a:t>‹#›</a:t>
             </a:fld>
             <a:endParaRPr lang="id-ID"/>
@@ -3870,7 +3890,7 @@
     </p:spTree>
     <p:extLst>
       <p:ext uri="{BB962C8B-B14F-4D97-AF65-F5344CB8AC3E}">
-        <p14:creationId xmlns:p14="http://schemas.microsoft.com/office/powerpoint/2010/main" val="2912017543"/>
+        <p14:creationId xmlns:p14="http://schemas.microsoft.com/office/powerpoint/2010/main" xmlns="" val="2912017543"/>
       </p:ext>
     </p:extLst>
   </p:cSld>
@@ -3942,7 +3962,8 @@
           <a:p>
             <a:fld id="{85A8DF9E-E639-4E2D-8D55-A0D56A811676}" type="datetimeFigureOut">
               <a:rPr lang="id-ID" smtClean="0"/>
-              <a:t>02/10/2017</a:t>
+              <a:pPr/>
+              <a:t>04/10/2017</a:t>
             </a:fld>
             <a:endParaRPr lang="id-ID"/>
           </a:p>
@@ -3984,6 +4005,7 @@
           <a:p>
             <a:fld id="{A77058F0-9592-4691-9580-71CCF28C1161}" type="slidenum">
               <a:rPr lang="id-ID" smtClean="0"/>
+              <a:pPr/>
               <a:t>‹#›</a:t>
             </a:fld>
             <a:endParaRPr lang="id-ID"/>
@@ -3993,7 +4015,7 @@
     </p:spTree>
     <p:extLst>
       <p:ext uri="{BB962C8B-B14F-4D97-AF65-F5344CB8AC3E}">
-        <p14:creationId xmlns:p14="http://schemas.microsoft.com/office/powerpoint/2010/main" val="3464072517"/>
+        <p14:creationId xmlns:p14="http://schemas.microsoft.com/office/powerpoint/2010/main" xmlns="" val="3464072517"/>
       </p:ext>
     </p:extLst>
   </p:cSld>
@@ -4037,7 +4059,8 @@
           <a:p>
             <a:fld id="{85A8DF9E-E639-4E2D-8D55-A0D56A811676}" type="datetimeFigureOut">
               <a:rPr lang="id-ID" smtClean="0"/>
-              <a:t>02/10/2017</a:t>
+              <a:pPr/>
+              <a:t>04/10/2017</a:t>
             </a:fld>
             <a:endParaRPr lang="id-ID"/>
           </a:p>
@@ -4079,6 +4102,7 @@
           <a:p>
             <a:fld id="{A77058F0-9592-4691-9580-71CCF28C1161}" type="slidenum">
               <a:rPr lang="id-ID" smtClean="0"/>
+              <a:pPr/>
               <a:t>‹#›</a:t>
             </a:fld>
             <a:endParaRPr lang="id-ID"/>
@@ -4088,7 +4112,7 @@
     </p:spTree>
     <p:extLst>
       <p:ext uri="{BB962C8B-B14F-4D97-AF65-F5344CB8AC3E}">
-        <p14:creationId xmlns:p14="http://schemas.microsoft.com/office/powerpoint/2010/main" val="4232450238"/>
+        <p14:creationId xmlns:p14="http://schemas.microsoft.com/office/powerpoint/2010/main" xmlns="" val="4232450238"/>
       </p:ext>
     </p:extLst>
   </p:cSld>
@@ -4292,7 +4316,8 @@
           <a:p>
             <a:fld id="{85A8DF9E-E639-4E2D-8D55-A0D56A811676}" type="datetimeFigureOut">
               <a:rPr lang="id-ID" smtClean="0"/>
-              <a:t>02/10/2017</a:t>
+              <a:pPr/>
+              <a:t>04/10/2017</a:t>
             </a:fld>
             <a:endParaRPr lang="id-ID"/>
           </a:p>
@@ -4334,6 +4359,7 @@
           <a:p>
             <a:fld id="{A77058F0-9592-4691-9580-71CCF28C1161}" type="slidenum">
               <a:rPr lang="id-ID" smtClean="0"/>
+              <a:pPr/>
               <a:t>‹#›</a:t>
             </a:fld>
             <a:endParaRPr lang="id-ID"/>
@@ -4343,7 +4369,7 @@
     </p:spTree>
     <p:extLst>
       <p:ext uri="{BB962C8B-B14F-4D97-AF65-F5344CB8AC3E}">
-        <p14:creationId xmlns:p14="http://schemas.microsoft.com/office/powerpoint/2010/main" val="1039135080"/>
+        <p14:creationId xmlns:p14="http://schemas.microsoft.com/office/powerpoint/2010/main" xmlns="" val="1039135080"/>
       </p:ext>
     </p:extLst>
   </p:cSld>
@@ -4555,7 +4581,8 @@
           <a:p>
             <a:fld id="{85A8DF9E-E639-4E2D-8D55-A0D56A811676}" type="datetimeFigureOut">
               <a:rPr lang="id-ID" smtClean="0"/>
-              <a:t>02/10/2017</a:t>
+              <a:pPr/>
+              <a:t>04/10/2017</a:t>
             </a:fld>
             <a:endParaRPr lang="id-ID"/>
           </a:p>
@@ -4597,6 +4624,7 @@
           <a:p>
             <a:fld id="{A77058F0-9592-4691-9580-71CCF28C1161}" type="slidenum">
               <a:rPr lang="id-ID" smtClean="0"/>
+              <a:pPr/>
               <a:t>‹#›</a:t>
             </a:fld>
             <a:endParaRPr lang="id-ID"/>
@@ -4606,7 +4634,7 @@
     </p:spTree>
     <p:extLst>
       <p:ext uri="{BB962C8B-B14F-4D97-AF65-F5344CB8AC3E}">
-        <p14:creationId xmlns:p14="http://schemas.microsoft.com/office/powerpoint/2010/main" val="2611232901"/>
+        <p14:creationId xmlns:p14="http://schemas.microsoft.com/office/powerpoint/2010/main" xmlns="" val="2611232901"/>
       </p:ext>
     </p:extLst>
   </p:cSld>
@@ -5300,7 +5328,8 @@
           <a:p>
             <a:fld id="{85A8DF9E-E639-4E2D-8D55-A0D56A811676}" type="datetimeFigureOut">
               <a:rPr lang="id-ID" smtClean="0"/>
-              <a:t>02/10/2017</a:t>
+              <a:pPr/>
+              <a:t>04/10/2017</a:t>
             </a:fld>
             <a:endParaRPr lang="id-ID"/>
           </a:p>
@@ -5376,6 +5405,7 @@
           <a:p>
             <a:fld id="{A77058F0-9592-4691-9580-71CCF28C1161}" type="slidenum">
               <a:rPr lang="id-ID" smtClean="0"/>
+              <a:pPr/>
               <a:t>‹#›</a:t>
             </a:fld>
             <a:endParaRPr lang="id-ID"/>
@@ -5385,7 +5415,7 @@
     </p:spTree>
     <p:extLst>
       <p:ext uri="{BB962C8B-B14F-4D97-AF65-F5344CB8AC3E}">
-        <p14:creationId xmlns:p14="http://schemas.microsoft.com/office/powerpoint/2010/main" val="532882927"/>
+        <p14:creationId xmlns:p14="http://schemas.microsoft.com/office/powerpoint/2010/main" xmlns="" val="532882927"/>
       </p:ext>
     </p:extLst>
   </p:cSld>
@@ -5923,256 +5953,7 @@
     </p:spTree>
     <p:extLst>
       <p:ext uri="{BB962C8B-B14F-4D97-AF65-F5344CB8AC3E}">
-        <p14:creationId xmlns:p14="http://schemas.microsoft.com/office/powerpoint/2010/main" val="3984697712"/>
-      </p:ext>
-    </p:extLst>
-  </p:cSld>
-  <p:clrMapOvr>
-    <a:masterClrMapping/>
-  </p:clrMapOvr>
-</p:sld>
-</file>
-
-<file path=ppt/slides/slide10.xml><?xml version="1.0" encoding="utf-8"?>
-<p:sld xmlns:a="http://schemas.openxmlformats.org/drawingml/2006/main" xmlns:r="http://schemas.openxmlformats.org/officeDocument/2006/relationships" xmlns:p="http://schemas.openxmlformats.org/presentationml/2006/main">
-  <p:cSld>
-    <p:spTree>
-      <p:nvGrpSpPr>
-        <p:cNvPr id="1" name=""/>
-        <p:cNvGrpSpPr/>
-        <p:nvPr/>
-      </p:nvGrpSpPr>
-      <p:grpSpPr>
-        <a:xfrm>
-          <a:off x="0" y="0"/>
-          <a:ext cx="0" cy="0"/>
-          <a:chOff x="0" y="0"/>
-          <a:chExt cx="0" cy="0"/>
-        </a:xfrm>
-      </p:grpSpPr>
-      <p:sp>
-        <p:nvSpPr>
-          <p:cNvPr id="2" name="Rectangle 1"/>
-          <p:cNvSpPr/>
-          <p:nvPr/>
-        </p:nvSpPr>
-        <p:spPr>
-          <a:xfrm>
-            <a:off x="875763" y="914400"/>
-            <a:ext cx="8319752" cy="4801314"/>
-          </a:xfrm>
-          <a:prstGeom prst="rect">
-            <a:avLst/>
-          </a:prstGeom>
-        </p:spPr>
-        <p:txBody>
-          <a:bodyPr wrap="square">
-            <a:spAutoFit/>
-          </a:bodyPr>
-          <a:lstStyle/>
-          <a:p>
-            <a:r>
-              <a:rPr lang="id-ID" dirty="0" smtClean="0"/>
-              <a:t>7. J.S.H Norimarna, menjabat sebagai Menteri Kemakmuran di jatuhi hukuman selama 5 ½ Tahun</a:t>
-            </a:r>
-          </a:p>
-          <a:p>
-            <a:endParaRPr lang="id-ID" dirty="0" smtClean="0"/>
-          </a:p>
-          <a:p>
-            <a:r>
-              <a:rPr lang="id-ID" dirty="0" smtClean="0"/>
-              <a:t>8. D.Z Pessuwariza, menjabat sebagai Menteri Penerangan di jatuhi hukuman selama 5 ½ Tahun</a:t>
-            </a:r>
-          </a:p>
-          <a:p>
-            <a:endParaRPr lang="id-ID" dirty="0" smtClean="0"/>
-          </a:p>
-          <a:p>
-            <a:r>
-              <a:rPr lang="id-ID" dirty="0" smtClean="0"/>
-              <a:t>9. Dr. T.A Pattirajawane, menjabat sebagai Menteri Kesehatan di jatuhi hukuman selama 3 Tahun</a:t>
-            </a:r>
-          </a:p>
-          <a:p>
-            <a:endParaRPr lang="id-ID" dirty="0" smtClean="0"/>
-          </a:p>
-          <a:p>
-            <a:r>
-              <a:rPr lang="id-ID" dirty="0" smtClean="0"/>
-              <a:t>10. F.H Pieters, menjabat sebagai Menteri Perhubungan di jatuhi hukuman selama 4 Tahun</a:t>
-            </a:r>
-          </a:p>
-          <a:p>
-            <a:endParaRPr lang="id-ID" dirty="0" smtClean="0"/>
-          </a:p>
-          <a:p>
-            <a:r>
-              <a:rPr lang="id-ID" dirty="0" smtClean="0"/>
-              <a:t>11. T. Nussy, menjabat sebagai Kepala Staf Tentara RMS di jatuhi hukuman selama 7 tahun</a:t>
-            </a:r>
-          </a:p>
-          <a:p>
-            <a:endParaRPr lang="id-ID" dirty="0" smtClean="0"/>
-          </a:p>
-          <a:p>
-            <a:r>
-              <a:rPr lang="id-ID" dirty="0" smtClean="0"/>
-              <a:t>12. D.J Samson, menjabat sebagai Panglima Tertinggi Tentara RMS di jatuhi hukuman selama 10 Tahun</a:t>
-            </a:r>
-            <a:endParaRPr lang="id-ID" dirty="0"/>
-          </a:p>
-        </p:txBody>
-      </p:sp>
-    </p:spTree>
-    <p:extLst>
-      <p:ext uri="{BB962C8B-B14F-4D97-AF65-F5344CB8AC3E}">
-        <p14:creationId xmlns:p14="http://schemas.microsoft.com/office/powerpoint/2010/main" val="3091441330"/>
-      </p:ext>
-    </p:extLst>
-  </p:cSld>
-  <p:clrMapOvr>
-    <a:masterClrMapping/>
-  </p:clrMapOvr>
-</p:sld>
-</file>
-
-<file path=ppt/slides/slide11.xml><?xml version="1.0" encoding="utf-8"?>
-<p:sld xmlns:a="http://schemas.openxmlformats.org/drawingml/2006/main" xmlns:r="http://schemas.openxmlformats.org/officeDocument/2006/relationships" xmlns:p="http://schemas.openxmlformats.org/presentationml/2006/main">
-  <p:cSld>
-    <p:spTree>
-      <p:nvGrpSpPr>
-        <p:cNvPr id="1" name=""/>
-        <p:cNvGrpSpPr/>
-        <p:nvPr/>
-      </p:nvGrpSpPr>
-      <p:grpSpPr>
-        <a:xfrm>
-          <a:off x="0" y="0"/>
-          <a:ext cx="0" cy="0"/>
-          <a:chOff x="0" y="0"/>
-          <a:chExt cx="0" cy="0"/>
-        </a:xfrm>
-      </p:grpSpPr>
-      <p:sp>
-        <p:nvSpPr>
-          <p:cNvPr id="2" name="Rectangle 1"/>
-          <p:cNvSpPr/>
-          <p:nvPr/>
-        </p:nvSpPr>
-        <p:spPr>
-          <a:xfrm>
-            <a:off x="618187" y="1249251"/>
-            <a:ext cx="8693239" cy="3970318"/>
-          </a:xfrm>
-          <a:prstGeom prst="rect">
-            <a:avLst/>
-          </a:prstGeom>
-        </p:spPr>
-        <p:txBody>
-          <a:bodyPr wrap="square">
-            <a:spAutoFit/>
-          </a:bodyPr>
-          <a:lstStyle/>
-          <a:p>
-            <a:pPr algn="just"/>
-            <a:r>
-              <a:rPr lang="id-ID" dirty="0" smtClean="0">
-                <a:effectLst/>
-              </a:rPr>
-              <a:t>Sementara itu, Dr. Soumokil, pada masa itu ia masih bertahan di hutan-hutan yang berada di pulau Seram sampai akhirnya ditangkap pada tanggal 2 Desember 1963. Pada Tahun 1964, Soumokil dimajukan ke meja hijau. Selama persidangan Soumokil berlangsung, meskipun ia bisa berbahasa Indonesia, namun pada saat itu ia selalu memakai Bahasa Belanda, sehingga pada saat persidangan di mulai, hakim mengutus seorang penerjemah untuk membantu persidangan Soumokil. Akhirnya pada tanggal 24 April 1964, Soumokil akhirnya dijatuhi hukuman mati. Eksekusi pun dilaksanakan pada tanggal 12 April 1966 dan berlangsung di Pulau Obi yang berada di wilayah kepulauan Seribu di sebelah Utara Kota Jakarta. </a:t>
-            </a:r>
-          </a:p>
-          <a:p>
-            <a:pPr algn="just"/>
-            <a:r>
-              <a:rPr lang="id-ID" dirty="0" smtClean="0">
-                <a:effectLst/>
-              </a:rPr>
-              <a:t/>
-            </a:r>
-            <a:br>
-              <a:rPr lang="id-ID" dirty="0" smtClean="0">
-                <a:effectLst/>
-              </a:rPr>
-            </a:br>
-            <a:r>
-              <a:rPr lang="id-ID" dirty="0" smtClean="0">
-                <a:effectLst/>
-              </a:rPr>
-              <a:t>Sepeninggal Soumokil, sejak saat itu RMS berdiri di pengasingan di Negeri Belanda. Pengganti Soumokil adalah Johan Manusama. Ia menjadi presiden RMS pada tahun 1966-1992, selanjutnya digantikan oleh Frans Tutuhatunewa sampai tahun 2010 dan kemudian digantikan oleh John Wattilete. </a:t>
-            </a:r>
-            <a:endParaRPr lang="id-ID" dirty="0">
-              <a:effectLst/>
-            </a:endParaRPr>
-          </a:p>
-        </p:txBody>
-      </p:sp>
-    </p:spTree>
-    <p:extLst>
-      <p:ext uri="{BB962C8B-B14F-4D97-AF65-F5344CB8AC3E}">
-        <p14:creationId xmlns:p14="http://schemas.microsoft.com/office/powerpoint/2010/main" val="4117007034"/>
-      </p:ext>
-    </p:extLst>
-  </p:cSld>
-  <p:clrMapOvr>
-    <a:masterClrMapping/>
-  </p:clrMapOvr>
-</p:sld>
-</file>
-
-<file path=ppt/slides/slide12.xml><?xml version="1.0" encoding="utf-8"?>
-<p:sld xmlns:a="http://schemas.openxmlformats.org/drawingml/2006/main" xmlns:r="http://schemas.openxmlformats.org/officeDocument/2006/relationships" xmlns:p="http://schemas.openxmlformats.org/presentationml/2006/main">
-  <p:cSld>
-    <p:spTree>
-      <p:nvGrpSpPr>
-        <p:cNvPr id="1" name=""/>
-        <p:cNvGrpSpPr/>
-        <p:nvPr/>
-      </p:nvGrpSpPr>
-      <p:grpSpPr>
-        <a:xfrm>
-          <a:off x="0" y="0"/>
-          <a:ext cx="0" cy="0"/>
-          <a:chOff x="0" y="0"/>
-          <a:chExt cx="0" cy="0"/>
-        </a:xfrm>
-      </p:grpSpPr>
-      <p:sp>
-        <p:nvSpPr>
-          <p:cNvPr id="2" name="TextBox 1"/>
-          <p:cNvSpPr txBox="1"/>
-          <p:nvPr/>
-        </p:nvSpPr>
-        <p:spPr>
-          <a:xfrm>
-            <a:off x="1648495" y="3181082"/>
-            <a:ext cx="7160654" cy="646331"/>
-          </a:xfrm>
-          <a:prstGeom prst="rect">
-            <a:avLst/>
-          </a:prstGeom>
-          <a:noFill/>
-        </p:spPr>
-        <p:txBody>
-          <a:bodyPr wrap="square" rtlCol="0">
-            <a:spAutoFit/>
-          </a:bodyPr>
-          <a:lstStyle/>
-          <a:p>
-            <a:pPr algn="ctr"/>
-            <a:r>
-              <a:rPr lang="id-ID" sz="3600" dirty="0" smtClean="0"/>
-              <a:t>Sekian dan Terima Kasih</a:t>
-            </a:r>
-            <a:endParaRPr lang="id-ID" sz="3600" dirty="0"/>
-          </a:p>
-        </p:txBody>
-      </p:sp>
-    </p:spTree>
-    <p:extLst>
-      <p:ext uri="{BB962C8B-B14F-4D97-AF65-F5344CB8AC3E}">
-        <p14:creationId xmlns:p14="http://schemas.microsoft.com/office/powerpoint/2010/main" val="757714845"/>
+        <p14:creationId xmlns:p14="http://schemas.microsoft.com/office/powerpoint/2010/main" xmlns="" val="3984697712"/>
       </p:ext>
     </p:extLst>
   </p:cSld>
@@ -6257,7 +6038,7 @@
     </p:spTree>
     <p:extLst>
       <p:ext uri="{BB962C8B-B14F-4D97-AF65-F5344CB8AC3E}">
-        <p14:creationId xmlns:p14="http://schemas.microsoft.com/office/powerpoint/2010/main" val="1205180328"/>
+        <p14:creationId xmlns:p14="http://schemas.microsoft.com/office/powerpoint/2010/main" xmlns="" val="1205180328"/>
       </p:ext>
     </p:extLst>
   </p:cSld>
@@ -6320,7 +6101,7 @@
     </p:spTree>
     <p:extLst>
       <p:ext uri="{BB962C8B-B14F-4D97-AF65-F5344CB8AC3E}">
-        <p14:creationId xmlns:p14="http://schemas.microsoft.com/office/powerpoint/2010/main" val="3572573204"/>
+        <p14:creationId xmlns:p14="http://schemas.microsoft.com/office/powerpoint/2010/main" xmlns="" val="3572573204"/>
       </p:ext>
     </p:extLst>
   </p:cSld>
@@ -6411,7 +6192,7 @@
     </p:spTree>
     <p:extLst>
       <p:ext uri="{BB962C8B-B14F-4D97-AF65-F5344CB8AC3E}">
-        <p14:creationId xmlns:p14="http://schemas.microsoft.com/office/powerpoint/2010/main" val="2133814198"/>
+        <p14:creationId xmlns:p14="http://schemas.microsoft.com/office/powerpoint/2010/main" xmlns="" val="2133814198"/>
       </p:ext>
     </p:extLst>
   </p:cSld>
@@ -6471,7 +6252,7 @@
     </p:spTree>
     <p:extLst>
       <p:ext uri="{BB962C8B-B14F-4D97-AF65-F5344CB8AC3E}">
-        <p14:creationId xmlns:p14="http://schemas.microsoft.com/office/powerpoint/2010/main" val="3103331475"/>
+        <p14:creationId xmlns:p14="http://schemas.microsoft.com/office/powerpoint/2010/main" xmlns="" val="3103331475"/>
       </p:ext>
     </p:extLst>
   </p:cSld>
@@ -6555,7 +6336,7 @@
     </p:spTree>
     <p:extLst>
       <p:ext uri="{BB962C8B-B14F-4D97-AF65-F5344CB8AC3E}">
-        <p14:creationId xmlns:p14="http://schemas.microsoft.com/office/powerpoint/2010/main" val="929915776"/>
+        <p14:creationId xmlns:p14="http://schemas.microsoft.com/office/powerpoint/2010/main" xmlns="" val="929915776"/>
       </p:ext>
     </p:extLst>
   </p:cSld>
@@ -6615,7 +6396,7 @@
     </p:spTree>
     <p:extLst>
       <p:ext uri="{BB962C8B-B14F-4D97-AF65-F5344CB8AC3E}">
-        <p14:creationId xmlns:p14="http://schemas.microsoft.com/office/powerpoint/2010/main" val="853573969"/>
+        <p14:creationId xmlns:p14="http://schemas.microsoft.com/office/powerpoint/2010/main" xmlns="" val="853573969"/>
       </p:ext>
     </p:extLst>
   </p:cSld>
@@ -6650,8 +6431,8 @@
         </p:nvSpPr>
         <p:spPr>
           <a:xfrm>
-            <a:off x="682580" y="2369713"/>
-            <a:ext cx="8847786" cy="2308324"/>
+            <a:off x="1648495" y="3181082"/>
+            <a:ext cx="7160654" cy="646331"/>
           </a:xfrm>
           <a:prstGeom prst="rect">
             <a:avLst/>
@@ -6664,175 +6445,19 @@
           </a:bodyPr>
           <a:lstStyle/>
           <a:p>
-            <a:r>
-              <a:rPr lang="id-ID" dirty="0" smtClean="0"/>
-              <a:t>Dengan jatuhnya pasukan RMS yang berada di daerah Ambon, maka hal ini membuat perlawanan yang dilakukan oleh pasukan RMS dapat ditaklukan. Pada tanggal 4 sampai 5 Desember, melalui selat Haruku dan Saparua, pusat pemerintahan RMS beserta Angkatan Perang RMS berpindah ke Pulau Seram. Pada tahun 1952, J.H Munhutu yang tadinya menjabat sebagai presiden RMS tertangkap di pulau Seram, Sementara itu sebagian pimpinan RMS lainnya melarikan diri ke Negara Belanda. Setelah itu, RMS kemudian mendirikan sebuah organisasi di Belanda dengan pemerintahan di pengasingan (Government In Exile).</a:t>
-            </a:r>
-            <a:endParaRPr lang="id-ID" dirty="0"/>
+            <a:pPr algn="ctr"/>
+            <a:r>
+              <a:rPr lang="id-ID" sz="3600" dirty="0" smtClean="0"/>
+              <a:t>Sekian dan Terima Kasih</a:t>
+            </a:r>
+            <a:endParaRPr lang="id-ID" sz="3600" dirty="0"/>
           </a:p>
         </p:txBody>
       </p:sp>
     </p:spTree>
     <p:extLst>
       <p:ext uri="{BB962C8B-B14F-4D97-AF65-F5344CB8AC3E}">
-        <p14:creationId xmlns:p14="http://schemas.microsoft.com/office/powerpoint/2010/main" val="196884813"/>
-      </p:ext>
-    </p:extLst>
-  </p:cSld>
-  <p:clrMapOvr>
-    <a:masterClrMapping/>
-  </p:clrMapOvr>
-</p:sld>
-</file>
-
-<file path=ppt/slides/slide9.xml><?xml version="1.0" encoding="utf-8"?>
-<p:sld xmlns:a="http://schemas.openxmlformats.org/drawingml/2006/main" xmlns:r="http://schemas.openxmlformats.org/officeDocument/2006/relationships" xmlns:p="http://schemas.openxmlformats.org/presentationml/2006/main">
-  <p:cSld>
-    <p:spTree>
-      <p:nvGrpSpPr>
-        <p:cNvPr id="1" name=""/>
-        <p:cNvGrpSpPr/>
-        <p:nvPr/>
-      </p:nvGrpSpPr>
-      <p:grpSpPr>
-        <a:xfrm>
-          <a:off x="0" y="0"/>
-          <a:ext cx="0" cy="0"/>
-          <a:chOff x="0" y="0"/>
-          <a:chExt cx="0" cy="0"/>
-        </a:xfrm>
-      </p:grpSpPr>
-      <p:sp>
-        <p:nvSpPr>
-          <p:cNvPr id="3" name="Rectangle 2"/>
-          <p:cNvSpPr/>
-          <p:nvPr/>
-        </p:nvSpPr>
-        <p:spPr>
-          <a:xfrm>
-            <a:off x="682581" y="798492"/>
-            <a:ext cx="8603087" cy="5355312"/>
-          </a:xfrm>
-          <a:prstGeom prst="rect">
-            <a:avLst/>
-          </a:prstGeom>
-        </p:spPr>
-        <p:txBody>
-          <a:bodyPr wrap="square">
-            <a:spAutoFit/>
-          </a:bodyPr>
-          <a:lstStyle/>
-          <a:p>
-            <a:pPr algn="just"/>
-            <a:r>
-              <a:rPr lang="id-ID" dirty="0" smtClean="0">
-                <a:effectLst/>
-              </a:rPr>
-              <a:t>Beberapa tokoh dari pimpinan sipil dan militer RMS yang tertangkap akhirnya dimajukan ke meja hijau. Pada tanggal 8 Juni 1955, hakim menjatuhi sanksi hukuman tehadap :</a:t>
-            </a:r>
-          </a:p>
-          <a:p>
-            <a:pPr>
-              <a:buFont typeface="+mj-lt"/>
-              <a:buAutoNum type="arabicPeriod"/>
-            </a:pPr>
-            <a:r>
-              <a:rPr lang="id-ID" dirty="0" smtClean="0"/>
-              <a:t>J.H Munhutu, Presiden RMS di Hukum selama 4 Tahun</a:t>
-            </a:r>
-          </a:p>
-          <a:p>
-            <a:pPr>
-              <a:buFont typeface="+mj-lt"/>
-              <a:buAutoNum type="arabicPeriod"/>
-            </a:pPr>
-            <a:endParaRPr lang="id-ID" dirty="0" smtClean="0"/>
-          </a:p>
-          <a:p>
-            <a:pPr>
-              <a:buFont typeface="+mj-lt"/>
-              <a:buAutoNum type="arabicPeriod"/>
-            </a:pPr>
-            <a:r>
-              <a:rPr lang="id-ID" dirty="0" smtClean="0"/>
-              <a:t>Albert Wairisal, menjabat sebagai Perdana Menteri Dalam Negeri di jatuhi hukuman 5 Tahun</a:t>
-            </a:r>
-          </a:p>
-          <a:p>
-            <a:pPr>
-              <a:buFont typeface="+mj-lt"/>
-              <a:buAutoNum type="arabicPeriod"/>
-            </a:pPr>
-            <a:endParaRPr lang="id-ID" dirty="0" smtClean="0"/>
-          </a:p>
-          <a:p>
-            <a:pPr>
-              <a:buFont typeface="+mj-lt"/>
-              <a:buAutoNum type="arabicPeriod"/>
-            </a:pPr>
-            <a:r>
-              <a:rPr lang="id-ID" dirty="0" smtClean="0"/>
-              <a:t>D.J Gasper,  menjabat sebagai Menteri Dalam Negeri di jatuhi hukuman 4 ½ Tahun</a:t>
-            </a:r>
-          </a:p>
-          <a:p>
-            <a:pPr>
-              <a:buFont typeface="+mj-lt"/>
-              <a:buAutoNum type="arabicPeriod"/>
-            </a:pPr>
-            <a:endParaRPr lang="id-ID" dirty="0" smtClean="0"/>
-          </a:p>
-          <a:p>
-            <a:pPr>
-              <a:buFont typeface="+mj-lt"/>
-              <a:buAutoNum type="arabicPeriod"/>
-            </a:pPr>
-            <a:r>
-              <a:rPr lang="id-ID" dirty="0" smtClean="0"/>
-              <a:t>J.B Pattirajawane, menjabat sebagai Menteri Keuangan di jatuhi hukuman selama 4 ½ Tahun</a:t>
-            </a:r>
-          </a:p>
-          <a:p>
-            <a:pPr>
-              <a:buFont typeface="+mj-lt"/>
-              <a:buAutoNum type="arabicPeriod"/>
-            </a:pPr>
-            <a:endParaRPr lang="id-ID" dirty="0" smtClean="0"/>
-          </a:p>
-          <a:p>
-            <a:pPr>
-              <a:buFont typeface="+mj-lt"/>
-              <a:buAutoNum type="arabicPeriod"/>
-            </a:pPr>
-            <a:r>
-              <a:rPr lang="id-ID" dirty="0" smtClean="0"/>
-              <a:t>G.G.H Apituley, menjabat sebagai Menteri Keuangan di jatuhi hukuman selama 5 ½ Tahun</a:t>
-            </a:r>
-          </a:p>
-          <a:p>
-            <a:pPr>
-              <a:buFont typeface="+mj-lt"/>
-              <a:buAutoNum type="arabicPeriod"/>
-            </a:pPr>
-            <a:endParaRPr lang="id-ID" dirty="0" smtClean="0"/>
-          </a:p>
-          <a:p>
-            <a:pPr>
-              <a:buFont typeface="+mj-lt"/>
-              <a:buAutoNum type="arabicPeriod"/>
-            </a:pPr>
-            <a:r>
-              <a:rPr lang="id-ID" dirty="0" smtClean="0"/>
-              <a:t>Ibrahim Oharilla, menjabat sebagai Menteri Pangan di jatuhi hukuman selama 4 ½ Tahun</a:t>
-            </a:r>
-            <a:endParaRPr lang="id-ID" dirty="0"/>
-          </a:p>
-        </p:txBody>
-      </p:sp>
-    </p:spTree>
-    <p:extLst>
-      <p:ext uri="{BB962C8B-B14F-4D97-AF65-F5344CB8AC3E}">
-        <p14:creationId xmlns:p14="http://schemas.microsoft.com/office/powerpoint/2010/main" val="1355455710"/>
+        <p14:creationId xmlns:p14="http://schemas.microsoft.com/office/powerpoint/2010/main" xmlns="" val="757714845"/>
       </p:ext>
     </p:extLst>
   </p:cSld>
@@ -6885,7 +6510,7 @@
     </a:clrScheme>
     <a:fontScheme name="Facet">
       <a:majorFont>
-        <a:latin typeface="Trebuchet MS" panose="020B0603020202020204"/>
+        <a:latin typeface="Trebuchet MS"/>
         <a:ea typeface=""/>
         <a:cs typeface=""/>
         <a:font script="Jpan" typeface="メイリオ"/>
@@ -6920,7 +6545,7 @@
         <a:font script="Geor" typeface="Sylfaen"/>
       </a:majorFont>
       <a:minorFont>
-        <a:latin typeface="Trebuchet MS" panose="020B0603020202020204"/>
+        <a:latin typeface="Trebuchet MS"/>
         <a:ea typeface=""/>
         <a:cs typeface=""/>
         <a:font script="Jpan" typeface="メイリオ"/>
@@ -7093,7 +6718,7 @@
   <a:extraClrSchemeLst/>
   <a:extLst>
     <a:ext uri="{05A4C25C-085E-4340-85A3-A5531E510DB2}">
-      <thm15:themeFamily xmlns:thm15="http://schemas.microsoft.com/office/thememl/2012/main" name="Facet" id="{C0C680CD-088A-49FC-A102-D699147F32B2}" vid="{8C59B386-999D-4CB6-B907-9F3997C027CC}"/>
+      <thm15:themeFamily xmlns:thm15="http://schemas.microsoft.com/office/thememl/2012/main" xmlns="" name="Facet" id="{C0C680CD-088A-49FC-A102-D699147F32B2}" vid="{8C59B386-999D-4CB6-B907-9F3997C027CC}"/>
     </a:ext>
   </a:extLst>
 </a:theme>
